--- a/プレゼン資料1.pptx
+++ b/プレゼン資料1.pptx
@@ -6,6 +6,7 @@
   </p:sldMasterIdLst>
   <p:sldIdLst>
     <p:sldId id="256" r:id="rId2"/>
+    <p:sldId id="257" r:id="rId3"/>
   </p:sldIdLst>
   <p:sldSz cx="12192000" cy="6858000"/>
   <p:notesSz cx="6858000" cy="9144000"/>
@@ -6787,10 +6788,179 @@
           </a:p>
         </p:txBody>
       </p:sp>
+      <p:sp>
+        <p:nvSpPr>
+          <p:cNvPr id="2" name="正方形/長方形 1">
+            <a:extLst>
+              <a:ext uri="{FF2B5EF4-FFF2-40B4-BE49-F238E27FC236}">
+                <a16:creationId xmlns:a16="http://schemas.microsoft.com/office/drawing/2014/main" id="{4C87D131-5D60-CDB5-3BDB-B2553F0E0E05}"/>
+              </a:ext>
+            </a:extLst>
+          </p:cNvPr>
+          <p:cNvSpPr/>
+          <p:nvPr/>
+        </p:nvSpPr>
+        <p:spPr>
+          <a:xfrm>
+            <a:off x="5595257" y="870857"/>
+            <a:ext cx="1763486" cy="936172"/>
+          </a:xfrm>
+          <a:prstGeom prst="rect">
+            <a:avLst/>
+          </a:prstGeom>
+          <a:solidFill>
+            <a:schemeClr val="accent2"/>
+          </a:solidFill>
+          <a:ln>
+            <a:solidFill>
+              <a:srgbClr val="FFC000"/>
+            </a:solidFill>
+          </a:ln>
+        </p:spPr>
+        <p:style>
+          <a:lnRef idx="2">
+            <a:schemeClr val="accent1">
+              <a:shade val="15000"/>
+            </a:schemeClr>
+          </a:lnRef>
+          <a:fillRef idx="1">
+            <a:schemeClr val="accent1"/>
+          </a:fillRef>
+          <a:effectRef idx="0">
+            <a:schemeClr val="accent1"/>
+          </a:effectRef>
+          <a:fontRef idx="minor">
+            <a:schemeClr val="lt1"/>
+          </a:fontRef>
+        </p:style>
+        <p:txBody>
+          <a:bodyPr rtlCol="0" anchor="ctr"/>
+          <a:lstStyle/>
+          <a:p>
+            <a:pPr algn="ctr"/>
+            <a:endParaRPr kumimoji="1" lang="ja-JP" altLang="en-US"/>
+          </a:p>
+        </p:txBody>
+      </p:sp>
     </p:spTree>
     <p:extLst>
       <p:ext uri="{BB962C8B-B14F-4D97-AF65-F5344CB8AC3E}">
         <p14:creationId xmlns:p14="http://schemas.microsoft.com/office/powerpoint/2010/main" val="2648502047"/>
+      </p:ext>
+    </p:extLst>
+  </p:cSld>
+  <p:clrMapOvr>
+    <a:masterClrMapping/>
+  </p:clrMapOvr>
+</p:sld>
+</file>
+
+<file path=ppt/slides/slide2.xml><?xml version="1.0" encoding="utf-8"?>
+<p:sld xmlns:a="http://schemas.openxmlformats.org/drawingml/2006/main" xmlns:r="http://schemas.openxmlformats.org/officeDocument/2006/relationships" xmlns:p="http://schemas.openxmlformats.org/presentationml/2006/main">
+  <p:cSld>
+    <p:spTree>
+      <p:nvGrpSpPr>
+        <p:cNvPr id="1" name=""/>
+        <p:cNvGrpSpPr/>
+        <p:nvPr/>
+      </p:nvGrpSpPr>
+      <p:grpSpPr>
+        <a:xfrm>
+          <a:off x="0" y="0"/>
+          <a:ext cx="0" cy="0"/>
+          <a:chOff x="0" y="0"/>
+          <a:chExt cx="0" cy="0"/>
+        </a:xfrm>
+      </p:grpSpPr>
+      <p:sp>
+        <p:nvSpPr>
+          <p:cNvPr id="2" name="角丸四角形 1">
+            <a:extLst>
+              <a:ext uri="{FF2B5EF4-FFF2-40B4-BE49-F238E27FC236}">
+                <a16:creationId xmlns:a16="http://schemas.microsoft.com/office/drawing/2014/main" id="{0974C9D0-353F-0840-036D-5488B80B24D6}"/>
+              </a:ext>
+            </a:extLst>
+          </p:cNvPr>
+          <p:cNvSpPr/>
+          <p:nvPr/>
+        </p:nvSpPr>
+        <p:spPr>
+          <a:xfrm>
+            <a:off x="4310743" y="1491343"/>
+            <a:ext cx="2895600" cy="1817914"/>
+          </a:xfrm>
+          <a:prstGeom prst="roundRect">
+            <a:avLst/>
+          </a:prstGeom>
+        </p:spPr>
+        <p:style>
+          <a:lnRef idx="2">
+            <a:schemeClr val="accent1">
+              <a:shade val="15000"/>
+            </a:schemeClr>
+          </a:lnRef>
+          <a:fillRef idx="1">
+            <a:schemeClr val="accent1"/>
+          </a:fillRef>
+          <a:effectRef idx="0">
+            <a:schemeClr val="accent1"/>
+          </a:effectRef>
+          <a:fontRef idx="minor">
+            <a:schemeClr val="lt1"/>
+          </a:fontRef>
+        </p:style>
+        <p:txBody>
+          <a:bodyPr rtlCol="0" anchor="ctr"/>
+          <a:lstStyle/>
+          <a:p>
+            <a:pPr algn="ctr"/>
+            <a:endParaRPr kumimoji="1" lang="ja-JP" altLang="en-US"/>
+          </a:p>
+        </p:txBody>
+      </p:sp>
+      <p:sp>
+        <p:nvSpPr>
+          <p:cNvPr id="3" name="テキスト ボックス 2">
+            <a:extLst>
+              <a:ext uri="{FF2B5EF4-FFF2-40B4-BE49-F238E27FC236}">
+                <a16:creationId xmlns:a16="http://schemas.microsoft.com/office/drawing/2014/main" id="{E258F712-FCEB-2277-F441-0F2E4E19C8A5}"/>
+              </a:ext>
+            </a:extLst>
+          </p:cNvPr>
+          <p:cNvSpPr txBox="1"/>
+          <p:nvPr/>
+        </p:nvSpPr>
+        <p:spPr>
+          <a:xfrm>
+            <a:off x="2220686" y="947057"/>
+            <a:ext cx="774571" cy="369332"/>
+          </a:xfrm>
+          <a:prstGeom prst="rect">
+            <a:avLst/>
+          </a:prstGeom>
+          <a:noFill/>
+        </p:spPr>
+        <p:txBody>
+          <a:bodyPr wrap="none" rtlCol="0">
+            <a:spAutoFit/>
+          </a:bodyPr>
+          <a:lstStyle/>
+          <a:p>
+            <a:r>
+              <a:rPr kumimoji="1" lang="en-US" altLang="ja-JP"/>
+              <a:t>2</a:t>
+            </a:r>
+            <a:r>
+              <a:rPr kumimoji="1" lang="ja-JP" altLang="en-US"/>
+              <a:t>回目</a:t>
+            </a:r>
+          </a:p>
+        </p:txBody>
+      </p:sp>
+    </p:spTree>
+    <p:extLst>
+      <p:ext uri="{BB962C8B-B14F-4D97-AF65-F5344CB8AC3E}">
+        <p14:creationId xmlns:p14="http://schemas.microsoft.com/office/powerpoint/2010/main" val="3070185870"/>
       </p:ext>
     </p:extLst>
   </p:cSld>
